--- a/презентация/презентация проекта.pptx
+++ b/презентация/презентация проекта.pptx
@@ -631,7 +631,7 @@
           <a:p>
             <a:fld id="{0DED32F9-9D6D-4ECE-B5AE-FDC2CC492C3C}" type="datetimeFigureOut">
               <a:rPr lang="ru-RU" smtClean="0"/>
-              <a:t>01.05.2020</a:t>
+              <a:t>06.05.2020</a:t>
             </a:fld>
             <a:endParaRPr lang="ru-RU"/>
           </a:p>
@@ -927,7 +927,7 @@
           <a:p>
             <a:fld id="{0DED32F9-9D6D-4ECE-B5AE-FDC2CC492C3C}" type="datetimeFigureOut">
               <a:rPr lang="ru-RU" smtClean="0"/>
-              <a:t>01.05.2020</a:t>
+              <a:t>06.05.2020</a:t>
             </a:fld>
             <a:endParaRPr lang="ru-RU"/>
           </a:p>
@@ -1175,7 +1175,7 @@
           <a:p>
             <a:fld id="{0DED32F9-9D6D-4ECE-B5AE-FDC2CC492C3C}" type="datetimeFigureOut">
               <a:rPr lang="ru-RU" smtClean="0"/>
-              <a:t>01.05.2020</a:t>
+              <a:t>06.05.2020</a:t>
             </a:fld>
             <a:endParaRPr lang="ru-RU"/>
           </a:p>
@@ -1715,7 +1715,7 @@
           <a:p>
             <a:fld id="{0DED32F9-9D6D-4ECE-B5AE-FDC2CC492C3C}" type="datetimeFigureOut">
               <a:rPr lang="ru-RU" smtClean="0"/>
-              <a:t>01.05.2020</a:t>
+              <a:t>06.05.2020</a:t>
             </a:fld>
             <a:endParaRPr lang="ru-RU"/>
           </a:p>
@@ -1963,7 +1963,7 @@
           <a:p>
             <a:fld id="{0DED32F9-9D6D-4ECE-B5AE-FDC2CC492C3C}" type="datetimeFigureOut">
               <a:rPr lang="ru-RU" smtClean="0"/>
-              <a:t>01.05.2020</a:t>
+              <a:t>06.05.2020</a:t>
             </a:fld>
             <a:endParaRPr lang="ru-RU"/>
           </a:p>
@@ -2495,7 +2495,7 @@
           <a:p>
             <a:fld id="{0DED32F9-9D6D-4ECE-B5AE-FDC2CC492C3C}" type="datetimeFigureOut">
               <a:rPr lang="ru-RU" smtClean="0"/>
-              <a:t>01.05.2020</a:t>
+              <a:t>06.05.2020</a:t>
             </a:fld>
             <a:endParaRPr lang="ru-RU"/>
           </a:p>
@@ -2792,7 +2792,7 @@
           <a:p>
             <a:fld id="{0DED32F9-9D6D-4ECE-B5AE-FDC2CC492C3C}" type="datetimeFigureOut">
               <a:rPr lang="ru-RU" smtClean="0"/>
-              <a:t>01.05.2020</a:t>
+              <a:t>06.05.2020</a:t>
             </a:fld>
             <a:endParaRPr lang="ru-RU"/>
           </a:p>
@@ -2966,7 +2966,7 @@
           <a:p>
             <a:fld id="{0DED32F9-9D6D-4ECE-B5AE-FDC2CC492C3C}" type="datetimeFigureOut">
               <a:rPr lang="ru-RU" smtClean="0"/>
-              <a:t>01.05.2020</a:t>
+              <a:t>06.05.2020</a:t>
             </a:fld>
             <a:endParaRPr lang="ru-RU"/>
           </a:p>
@@ -3146,7 +3146,7 @@
           <a:p>
             <a:fld id="{0DED32F9-9D6D-4ECE-B5AE-FDC2CC492C3C}" type="datetimeFigureOut">
               <a:rPr lang="ru-RU" smtClean="0"/>
-              <a:t>01.05.2020</a:t>
+              <a:t>06.05.2020</a:t>
             </a:fld>
             <a:endParaRPr lang="ru-RU"/>
           </a:p>
@@ -3316,7 +3316,7 @@
           <a:p>
             <a:fld id="{0DED32F9-9D6D-4ECE-B5AE-FDC2CC492C3C}" type="datetimeFigureOut">
               <a:rPr lang="ru-RU" smtClean="0"/>
-              <a:t>01.05.2020</a:t>
+              <a:t>06.05.2020</a:t>
             </a:fld>
             <a:endParaRPr lang="ru-RU"/>
           </a:p>
@@ -3567,7 +3567,7 @@
           <a:p>
             <a:fld id="{0DED32F9-9D6D-4ECE-B5AE-FDC2CC492C3C}" type="datetimeFigureOut">
               <a:rPr lang="ru-RU" smtClean="0"/>
-              <a:t>01.05.2020</a:t>
+              <a:t>06.05.2020</a:t>
             </a:fld>
             <a:endParaRPr lang="ru-RU"/>
           </a:p>
@@ -3864,7 +3864,7 @@
           <a:p>
             <a:fld id="{0DED32F9-9D6D-4ECE-B5AE-FDC2CC492C3C}" type="datetimeFigureOut">
               <a:rPr lang="ru-RU" smtClean="0"/>
-              <a:t>01.05.2020</a:t>
+              <a:t>06.05.2020</a:t>
             </a:fld>
             <a:endParaRPr lang="ru-RU"/>
           </a:p>
@@ -4306,7 +4306,7 @@
           <a:p>
             <a:fld id="{0DED32F9-9D6D-4ECE-B5AE-FDC2CC492C3C}" type="datetimeFigureOut">
               <a:rPr lang="ru-RU" smtClean="0"/>
-              <a:t>01.05.2020</a:t>
+              <a:t>06.05.2020</a:t>
             </a:fld>
             <a:endParaRPr lang="ru-RU"/>
           </a:p>
@@ -4424,7 +4424,7 @@
           <a:p>
             <a:fld id="{0DED32F9-9D6D-4ECE-B5AE-FDC2CC492C3C}" type="datetimeFigureOut">
               <a:rPr lang="ru-RU" smtClean="0"/>
-              <a:t>01.05.2020</a:t>
+              <a:t>06.05.2020</a:t>
             </a:fld>
             <a:endParaRPr lang="ru-RU"/>
           </a:p>
@@ -4519,7 +4519,7 @@
           <a:p>
             <a:fld id="{0DED32F9-9D6D-4ECE-B5AE-FDC2CC492C3C}" type="datetimeFigureOut">
               <a:rPr lang="ru-RU" smtClean="0"/>
-              <a:t>01.05.2020</a:t>
+              <a:t>06.05.2020</a:t>
             </a:fld>
             <a:endParaRPr lang="ru-RU"/>
           </a:p>
@@ -4802,7 +4802,7 @@
           <a:p>
             <a:fld id="{0DED32F9-9D6D-4ECE-B5AE-FDC2CC492C3C}" type="datetimeFigureOut">
               <a:rPr lang="ru-RU" smtClean="0"/>
-              <a:t>01.05.2020</a:t>
+              <a:t>06.05.2020</a:t>
             </a:fld>
             <a:endParaRPr lang="ru-RU"/>
           </a:p>
@@ -5093,7 +5093,7 @@
           <a:p>
             <a:fld id="{0DED32F9-9D6D-4ECE-B5AE-FDC2CC492C3C}" type="datetimeFigureOut">
               <a:rPr lang="ru-RU" smtClean="0"/>
-              <a:t>01.05.2020</a:t>
+              <a:t>06.05.2020</a:t>
             </a:fld>
             <a:endParaRPr lang="ru-RU"/>
           </a:p>
@@ -5623,7 +5623,7 @@
           <a:p>
             <a:fld id="{0DED32F9-9D6D-4ECE-B5AE-FDC2CC492C3C}" type="datetimeFigureOut">
               <a:rPr lang="ru-RU" smtClean="0"/>
-              <a:t>01.05.2020</a:t>
+              <a:t>06.05.2020</a:t>
             </a:fld>
             <a:endParaRPr lang="ru-RU"/>
           </a:p>
@@ -6767,6 +6767,36 @@
           </a:p>
         </p:txBody>
       </p:sp>
+      <p:sp>
+        <p:nvSpPr>
+          <p:cNvPr id="3" name="TextBox 2"/>
+          <p:cNvSpPr txBox="1"/>
+          <p:nvPr/>
+        </p:nvSpPr>
+        <p:spPr>
+          <a:xfrm>
+            <a:off x="2495005" y="2746183"/>
+            <a:ext cx="7276012" cy="246221"/>
+          </a:xfrm>
+          <a:prstGeom prst="rect">
+            <a:avLst/>
+          </a:prstGeom>
+          <a:noFill/>
+        </p:spPr>
+        <p:txBody>
+          <a:bodyPr wrap="square" rtlCol="0">
+            <a:spAutoFit/>
+          </a:bodyPr>
+          <a:lstStyle/>
+          <a:p>
+            <a:r>
+              <a:rPr lang="ru-RU" sz="1000" dirty="0" smtClean="0"/>
+              <a:t>ОН ВАМ ВРЕТ, ОН ПРОСТО ХОТЕЛ СКОПИПАСТИТЬ ГОРИЛАБОТА</a:t>
+            </a:r>
+            <a:endParaRPr lang="ru-RU" sz="1000" dirty="0"/>
+          </a:p>
+        </p:txBody>
+      </p:sp>
     </p:spTree>
     <p:extLst>
       <p:ext uri="{BB962C8B-B14F-4D97-AF65-F5344CB8AC3E}">
@@ -7008,6 +7038,42 @@
                             </p:childTnLst>
                           </p:cTn>
                         </p:par>
+                        <p:par>
+                          <p:cTn id="17" fill="hold">
+                            <p:stCondLst>
+                              <p:cond delay="1000"/>
+                            </p:stCondLst>
+                            <p:childTnLst>
+                              <p:par>
+                                <p:cTn id="18" presetID="1" presetClass="entr" presetSubtype="0" fill="hold" grpId="0" nodeType="afterEffect">
+                                  <p:stCondLst>
+                                    <p:cond delay="0"/>
+                                  </p:stCondLst>
+                                  <p:childTnLst>
+                                    <p:set>
+                                      <p:cBhvr>
+                                        <p:cTn id="19" dur="1" fill="hold">
+                                          <p:stCondLst>
+                                            <p:cond delay="0"/>
+                                          </p:stCondLst>
+                                        </p:cTn>
+                                        <p:tgtEl>
+                                          <p:spTgt spid="3"/>
+                                        </p:tgtEl>
+                                        <p:attrNameLst>
+                                          <p:attrName>style.visibility</p:attrName>
+                                        </p:attrNameLst>
+                                      </p:cBhvr>
+                                      <p:to>
+                                        <p:strVal val="visible"/>
+                                      </p:to>
+                                    </p:set>
+                                  </p:childTnLst>
+                                </p:cTn>
+                              </p:par>
+                            </p:childTnLst>
+                          </p:cTn>
+                        </p:par>
                       </p:childTnLst>
                     </p:cTn>
                   </p:par>
@@ -7034,6 +7100,7 @@
     </p:tnLst>
     <p:bldLst>
       <p:bldP spid="4" grpId="0"/>
+      <p:bldP spid="3" grpId="0"/>
     </p:bldLst>
   </p:timing>
 </p:sld>
@@ -9789,11 +9856,7 @@
             </a:r>
             <a:r>
               <a:rPr lang="ru-RU" smtClean="0"/>
-              <a:t>и </a:t>
-            </a:r>
-            <a:r>
-              <a:rPr lang="ru-RU" smtClean="0"/>
-              <a:t>доработаю</a:t>
+              <a:t>и доработаю</a:t>
             </a:r>
             <a:endParaRPr lang="ru-RU" dirty="0"/>
           </a:p>
